--- a/The Silver screen Group Projectv1.pptx
+++ b/The Silver screen Group Projectv1.pptx
@@ -12,13 +12,12 @@
     <p:sldId id="269" r:id="rId6"/>
     <p:sldId id="268" r:id="rId7"/>
     <p:sldId id="270" r:id="rId8"/>
-    <p:sldId id="264" r:id="rId9"/>
-    <p:sldId id="265" r:id="rId10"/>
+    <p:sldId id="265" r:id="rId9"/>
+    <p:sldId id="260" r:id="rId10"/>
     <p:sldId id="266" r:id="rId11"/>
     <p:sldId id="267" r:id="rId12"/>
-    <p:sldId id="259" r:id="rId13"/>
-    <p:sldId id="260" r:id="rId14"/>
-    <p:sldId id="261" r:id="rId15"/>
+    <p:sldId id="271" r:id="rId13"/>
+    <p:sldId id="261" r:id="rId14"/>
   </p:sldIdLst>
   <p:sldSz cx="12192000" cy="6858000"/>
   <p:notesSz cx="6858000" cy="9144000"/>
@@ -264,7 +263,7 @@
           <a:p>
             <a:fld id="{48A87A34-81AB-432B-8DAE-1953F412C126}" type="datetimeFigureOut">
               <a:rPr lang="en-US" dirty="0"/>
-              <a:t>12/14/18</a:t>
+              <a:t>12/15/18</a:t>
             </a:fld>
             <a:endParaRPr lang="en-US" dirty="0"/>
           </a:p>
@@ -470,7 +469,7 @@
           <a:p>
             <a:fld id="{48A87A34-81AB-432B-8DAE-1953F412C126}" type="datetimeFigureOut">
               <a:rPr lang="en-US" dirty="0"/>
-              <a:t>12/14/18</a:t>
+              <a:t>12/15/18</a:t>
             </a:fld>
             <a:endParaRPr lang="en-US" dirty="0"/>
           </a:p>
@@ -680,7 +679,7 @@
           <a:p>
             <a:fld id="{48A87A34-81AB-432B-8DAE-1953F412C126}" type="datetimeFigureOut">
               <a:rPr lang="en-US" dirty="0"/>
-              <a:t>12/14/18</a:t>
+              <a:t>12/15/18</a:t>
             </a:fld>
             <a:endParaRPr lang="en-US" dirty="0"/>
           </a:p>
@@ -876,7 +875,7 @@
           <a:p>
             <a:fld id="{48A87A34-81AB-432B-8DAE-1953F412C126}" type="datetimeFigureOut">
               <a:rPr lang="en-US" dirty="0"/>
-              <a:t>12/14/18</a:t>
+              <a:t>12/15/18</a:t>
             </a:fld>
             <a:endParaRPr lang="en-US" dirty="0"/>
           </a:p>
@@ -1150,7 +1149,7 @@
           <a:p>
             <a:fld id="{48A87A34-81AB-432B-8DAE-1953F412C126}" type="datetimeFigureOut">
               <a:rPr lang="en-US" dirty="0"/>
-              <a:t>12/14/18</a:t>
+              <a:t>12/15/18</a:t>
             </a:fld>
             <a:endParaRPr lang="en-US" dirty="0"/>
           </a:p>
@@ -1413,7 +1412,7 @@
           <a:p>
             <a:fld id="{48A87A34-81AB-432B-8DAE-1953F412C126}" type="datetimeFigureOut">
               <a:rPr lang="en-US" dirty="0"/>
-              <a:t>12/14/18</a:t>
+              <a:t>12/15/18</a:t>
             </a:fld>
             <a:endParaRPr lang="en-US" dirty="0"/>
           </a:p>
@@ -1824,7 +1823,7 @@
           <a:p>
             <a:fld id="{48A87A34-81AB-432B-8DAE-1953F412C126}" type="datetimeFigureOut">
               <a:rPr lang="en-US" dirty="0"/>
-              <a:t>12/14/18</a:t>
+              <a:t>12/15/18</a:t>
             </a:fld>
             <a:endParaRPr lang="en-US" dirty="0"/>
           </a:p>
@@ -1968,7 +1967,7 @@
           <a:p>
             <a:fld id="{48A87A34-81AB-432B-8DAE-1953F412C126}" type="datetimeFigureOut">
               <a:rPr lang="en-US" dirty="0"/>
-              <a:t>12/14/18</a:t>
+              <a:t>12/15/18</a:t>
             </a:fld>
             <a:endParaRPr lang="en-US" dirty="0"/>
           </a:p>
@@ -2089,7 +2088,7 @@
           <a:p>
             <a:fld id="{48A87A34-81AB-432B-8DAE-1953F412C126}" type="datetimeFigureOut">
               <a:rPr lang="en-US" dirty="0"/>
-              <a:t>12/14/18</a:t>
+              <a:t>12/15/18</a:t>
             </a:fld>
             <a:endParaRPr lang="en-US" dirty="0"/>
           </a:p>
@@ -2335,7 +2334,7 @@
           <a:p>
             <a:fld id="{48A87A34-81AB-432B-8DAE-1953F412C126}" type="datetimeFigureOut">
               <a:rPr lang="en-US" dirty="0"/>
-              <a:t>12/14/18</a:t>
+              <a:t>12/15/18</a:t>
             </a:fld>
             <a:endParaRPr lang="en-US" dirty="0"/>
           </a:p>
@@ -2776,7 +2775,7 @@
             <a:fld id="{48A87A34-81AB-432B-8DAE-1953F412C126}" type="datetimeFigureOut">
               <a:rPr lang="en-US" dirty="0"/>
               <a:pPr/>
-              <a:t>12/14/18</a:t>
+              <a:t>12/15/18</a:t>
             </a:fld>
             <a:endParaRPr lang="en-US" dirty="0"/>
           </a:p>
@@ -3098,7 +3097,7 @@
             <a:fld id="{48A87A34-81AB-432B-8DAE-1953F412C126}" type="datetimeFigureOut">
               <a:rPr lang="en-US" dirty="0"/>
               <a:pPr/>
-              <a:t>12/14/18</a:t>
+              <a:t>12/15/18</a:t>
             </a:fld>
             <a:endParaRPr lang="en-US" dirty="0"/>
           </a:p>
@@ -3635,23 +3634,7 @@
           <a:p>
             <a:r>
               <a:rPr lang="en-US" dirty="0"/>
-              <a:t>Luis Garcia,  Audrey Lamb,  Choi </a:t>
-            </a:r>
-            <a:r>
-              <a:rPr lang="en-US" dirty="0" err="1"/>
-              <a:t>wa</a:t>
-            </a:r>
-            <a:r>
-              <a:rPr lang="en-US" dirty="0"/>
-              <a:t> </a:t>
-            </a:r>
-            <a:r>
-              <a:rPr lang="en-US" dirty="0" err="1"/>
-              <a:t>tsang</a:t>
-            </a:r>
-            <a:r>
-              <a:rPr lang="en-US" dirty="0"/>
-              <a:t>,  Laytoamb Wiggins</a:t>
+              <a:t>Luis Garcia,  Audrey Lamb,  Choi wa tsang,  Laytoamb Wiggins</a:t>
             </a:r>
           </a:p>
         </p:txBody>
@@ -3804,8 +3787,8 @@
         </p:blipFill>
         <p:spPr>
           <a:xfrm>
-            <a:off x="5682968" y="1945533"/>
-            <a:ext cx="5581565" cy="3725694"/>
+            <a:off x="5108714" y="1945533"/>
+            <a:ext cx="6155820" cy="3725694"/>
           </a:xfrm>
           <a:prstGeom prst="rect">
             <a:avLst/>
@@ -3960,8 +3943,8 @@
         </p:blipFill>
         <p:spPr>
           <a:xfrm>
-            <a:off x="5359941" y="2015734"/>
-            <a:ext cx="5679416" cy="3975591"/>
+            <a:off x="4840357" y="2015734"/>
+            <a:ext cx="6199000" cy="3975591"/>
           </a:xfrm>
           <a:prstGeom prst="rect">
             <a:avLst/>
@@ -4003,7 +3986,7 @@
           <p:cNvPr id="2" name="Title 1">
             <a:extLst>
               <a:ext uri="{FF2B5EF4-FFF2-40B4-BE49-F238E27FC236}">
-                <a16:creationId xmlns:a16="http://schemas.microsoft.com/office/drawing/2014/main" id="{30242150-3E9E-4563-94D2-3A56DDD52E42}"/>
+                <a16:creationId xmlns:a16="http://schemas.microsoft.com/office/drawing/2014/main" id="{25201D3E-8980-8D47-8850-5EEE5C38F21F}"/>
               </a:ext>
             </a:extLst>
           </p:cNvPr>
@@ -4019,7 +4002,13 @@
           <a:bodyPr/>
           <a:lstStyle/>
           <a:p>
-            <a:endParaRPr lang="en-US"/>
+            <a:r>
+              <a:rPr lang="en-US" dirty="0">
+                <a:latin typeface="Calibri" panose="020F0502020204030204" pitchFamily="34" charset="0"/>
+              </a:rPr>
+              <a:t>The silver screen</a:t>
+            </a:r>
+            <a:endParaRPr lang="en-US" dirty="0"/>
           </a:p>
         </p:txBody>
       </p:sp>
@@ -4028,7 +4017,7 @@
           <p:cNvPr id="3" name="Content Placeholder 2">
             <a:extLst>
               <a:ext uri="{FF2B5EF4-FFF2-40B4-BE49-F238E27FC236}">
-                <a16:creationId xmlns:a16="http://schemas.microsoft.com/office/drawing/2014/main" id="{574DD67E-3FDD-4450-BB33-E6F7B363E44F}"/>
+                <a16:creationId xmlns:a16="http://schemas.microsoft.com/office/drawing/2014/main" id="{9A8AF0A8-862D-574D-9C6B-95A545DFBEFD}"/>
               </a:ext>
             </a:extLst>
           </p:cNvPr>
@@ -4044,14 +4033,41 @@
           <a:bodyPr/>
           <a:lstStyle/>
           <a:p>
-            <a:endParaRPr lang="en-US"/>
+            <a:r>
+              <a:rPr lang="en-US" dirty="0"/>
+              <a:t>PG-13 rated movies received the most Academy nominations, while R rated movies won the most Academy awards</a:t>
+            </a:r>
+          </a:p>
+          <a:p>
+            <a:r>
+              <a:rPr lang="en-US" dirty="0"/>
+              <a:t>December is the best month to release films to audiences, as December achieved the highest box office dollars</a:t>
+            </a:r>
+          </a:p>
+          <a:p>
+            <a:r>
+              <a:rPr lang="en-US" dirty="0"/>
+              <a:t>Warner Bros. is the best production company to produce award winning films</a:t>
+            </a:r>
+          </a:p>
+          <a:p>
+            <a:r>
+              <a:rPr lang="en-US" dirty="0"/>
+              <a:t>High Metascore ratings have the best potential outcome of winning awards</a:t>
+            </a:r>
+          </a:p>
+          <a:p>
+            <a:endParaRPr lang="en-US" dirty="0"/>
+          </a:p>
+          <a:p>
+            <a:endParaRPr lang="en-US" dirty="0"/>
           </a:p>
         </p:txBody>
       </p:sp>
     </p:spTree>
     <p:extLst>
       <p:ext uri="{BB962C8B-B14F-4D97-AF65-F5344CB8AC3E}">
-        <p14:creationId xmlns:p14="http://schemas.microsoft.com/office/powerpoint/2010/main" val="3105713818"/>
+        <p14:creationId xmlns:p14="http://schemas.microsoft.com/office/powerpoint/2010/main" val="1521331116"/>
       </p:ext>
     </p:extLst>
   </p:cSld>
@@ -4083,7 +4099,7 @@
           <p:cNvPr id="2" name="Title 1">
             <a:extLst>
               <a:ext uri="{FF2B5EF4-FFF2-40B4-BE49-F238E27FC236}">
-                <a16:creationId xmlns:a16="http://schemas.microsoft.com/office/drawing/2014/main" id="{9B0FC9DF-CDBB-4B23-BA4B-11B42EBC49BA}"/>
+                <a16:creationId xmlns:a16="http://schemas.microsoft.com/office/drawing/2014/main" id="{7720654B-A841-485C-BD2F-9A0B485C8A9F}"/>
               </a:ext>
             </a:extLst>
           </p:cNvPr>
@@ -4091,7 +4107,7 @@
             <a:spLocks noGrp="1"/>
           </p:cNvSpPr>
           <p:nvPr>
-            <p:ph type="title"/>
+            <p:ph type="ctrTitle"/>
           </p:nvPr>
         </p:nvSpPr>
         <p:spPr/>
@@ -4099,16 +4115,22 @@
           <a:bodyPr/>
           <a:lstStyle/>
           <a:p>
-            <a:endParaRPr lang="en-US"/>
-          </a:p>
-        </p:txBody>
-      </p:sp>
-      <p:sp>
-        <p:nvSpPr>
-          <p:cNvPr id="3" name="Content Placeholder 2">
+            <a:r>
+              <a:rPr lang="en-US" dirty="0">
+                <a:latin typeface="Calibri" panose="020F0502020204030204" pitchFamily="34" charset="0"/>
+              </a:rPr>
+              <a:t>The silver screen</a:t>
+            </a:r>
+            <a:endParaRPr lang="en-US" dirty="0"/>
+          </a:p>
+        </p:txBody>
+      </p:sp>
+      <p:sp>
+        <p:nvSpPr>
+          <p:cNvPr id="4" name="Subtitle 3">
             <a:extLst>
               <a:ext uri="{FF2B5EF4-FFF2-40B4-BE49-F238E27FC236}">
-                <a16:creationId xmlns:a16="http://schemas.microsoft.com/office/drawing/2014/main" id="{4FA0B267-422E-489C-A691-9DC2C7A803EE}"/>
+                <a16:creationId xmlns:a16="http://schemas.microsoft.com/office/drawing/2014/main" id="{0C0601DB-E412-D346-82B0-D997CD4BEA56}"/>
               </a:ext>
             </a:extLst>
           </p:cNvPr>
@@ -4116,7 +4138,7 @@
             <a:spLocks noGrp="1"/>
           </p:cNvSpPr>
           <p:nvPr>
-            <p:ph idx="1"/>
+            <p:ph type="subTitle" idx="1"/>
           </p:nvPr>
         </p:nvSpPr>
         <p:spPr/>
@@ -4124,87 +4146,16 @@
           <a:bodyPr/>
           <a:lstStyle/>
           <a:p>
-            <a:endParaRPr lang="en-US"/>
-          </a:p>
-        </p:txBody>
-      </p:sp>
-    </p:spTree>
-    <p:extLst>
-      <p:ext uri="{BB962C8B-B14F-4D97-AF65-F5344CB8AC3E}">
-        <p14:creationId xmlns:p14="http://schemas.microsoft.com/office/powerpoint/2010/main" val="1868080493"/>
-      </p:ext>
-    </p:extLst>
-  </p:cSld>
-  <p:clrMapOvr>
-    <a:masterClrMapping/>
-  </p:clrMapOvr>
-</p:sld>
-</file>
-
-<file path=ppt/slides/slide14.xml><?xml version="1.0" encoding="utf-8"?>
-<p:sld xmlns:a="http://schemas.openxmlformats.org/drawingml/2006/main" xmlns:r="http://schemas.openxmlformats.org/officeDocument/2006/relationships" xmlns:p="http://schemas.openxmlformats.org/presentationml/2006/main">
-  <p:cSld>
-    <p:spTree>
-      <p:nvGrpSpPr>
-        <p:cNvPr id="1" name=""/>
-        <p:cNvGrpSpPr/>
-        <p:nvPr/>
-      </p:nvGrpSpPr>
-      <p:grpSpPr>
-        <a:xfrm>
-          <a:off x="0" y="0"/>
-          <a:ext cx="0" cy="0"/>
-          <a:chOff x="0" y="0"/>
-          <a:chExt cx="0" cy="0"/>
-        </a:xfrm>
-      </p:grpSpPr>
-      <p:sp>
-        <p:nvSpPr>
-          <p:cNvPr id="2" name="Title 1">
-            <a:extLst>
-              <a:ext uri="{FF2B5EF4-FFF2-40B4-BE49-F238E27FC236}">
-                <a16:creationId xmlns:a16="http://schemas.microsoft.com/office/drawing/2014/main" id="{7720654B-A841-485C-BD2F-9A0B485C8A9F}"/>
-              </a:ext>
-            </a:extLst>
-          </p:cNvPr>
-          <p:cNvSpPr>
-            <a:spLocks noGrp="1"/>
-          </p:cNvSpPr>
-          <p:nvPr>
-            <p:ph type="title"/>
-          </p:nvPr>
-        </p:nvSpPr>
-        <p:spPr/>
-        <p:txBody>
-          <a:bodyPr/>
-          <a:lstStyle/>
-          <a:p>
-            <a:endParaRPr lang="en-US"/>
-          </a:p>
-        </p:txBody>
-      </p:sp>
-      <p:sp>
-        <p:nvSpPr>
-          <p:cNvPr id="3" name="Content Placeholder 2">
-            <a:extLst>
-              <a:ext uri="{FF2B5EF4-FFF2-40B4-BE49-F238E27FC236}">
-                <a16:creationId xmlns:a16="http://schemas.microsoft.com/office/drawing/2014/main" id="{D454D9FC-D411-40B5-9DFF-2223D8EFC23C}"/>
-              </a:ext>
-            </a:extLst>
-          </p:cNvPr>
-          <p:cNvSpPr>
-            <a:spLocks noGrp="1"/>
-          </p:cNvSpPr>
-          <p:nvPr>
-            <p:ph idx="1"/>
-          </p:nvPr>
-        </p:nvSpPr>
-        <p:spPr/>
-        <p:txBody>
-          <a:bodyPr/>
-          <a:lstStyle/>
-          <a:p>
-            <a:endParaRPr lang="en-US"/>
+            <a:r>
+              <a:rPr lang="en-US" dirty="0"/>
+              <a:t>ENDING CREDITS</a:t>
+            </a:r>
+          </a:p>
+          <a:p>
+            <a:r>
+              <a:rPr lang="en-US" dirty="0"/>
+              <a:t>Questions??</a:t>
+            </a:r>
           </a:p>
         </p:txBody>
       </p:sp>
@@ -6033,25 +5984,7 @@
           <a:p>
             <a:r>
               <a:rPr lang="en-US" dirty="0"/>
-              <a:t>Release Month vs. Box Office</a:t>
-            </a:r>
-          </a:p>
-          <a:p>
-            <a:pPr marL="0" indent="0">
-              <a:buNone/>
-            </a:pPr>
-            <a:r>
-              <a:rPr lang="en-US" dirty="0"/>
-              <a:t>The data shows what months are</a:t>
-            </a:r>
-          </a:p>
-          <a:p>
-            <a:pPr marL="0" indent="0">
-              <a:buNone/>
-            </a:pPr>
-            <a:r>
-              <a:rPr lang="en-US" dirty="0"/>
-              <a:t>optimal to release feature films</a:t>
+              <a:t>Release Month (Winner vs. Nominate) </a:t>
             </a:r>
           </a:p>
         </p:txBody>
@@ -6061,7 +5994,7 @@
           <p:cNvPr id="5" name="Picture 4">
             <a:extLst>
               <a:ext uri="{FF2B5EF4-FFF2-40B4-BE49-F238E27FC236}">
-                <a16:creationId xmlns:a16="http://schemas.microsoft.com/office/drawing/2014/main" id="{990B1276-A0EE-E34E-8605-A8420AFE2968}"/>
+                <a16:creationId xmlns:a16="http://schemas.microsoft.com/office/drawing/2014/main" id="{7B9BAACD-CBF9-B849-8321-536097656F28}"/>
               </a:ext>
             </a:extLst>
           </p:cNvPr>
@@ -6078,8 +6011,8 @@
         </p:blipFill>
         <p:spPr>
           <a:xfrm>
-            <a:off x="5097295" y="1977992"/>
-            <a:ext cx="6070058" cy="4127640"/>
+            <a:off x="4919870" y="2015734"/>
+            <a:ext cx="5577110" cy="4059898"/>
           </a:xfrm>
           <a:prstGeom prst="rect">
             <a:avLst/>
@@ -6089,7 +6022,7 @@
     </p:spTree>
     <p:extLst>
       <p:ext uri="{BB962C8B-B14F-4D97-AF65-F5344CB8AC3E}">
-        <p14:creationId xmlns:p14="http://schemas.microsoft.com/office/powerpoint/2010/main" val="4146258749"/>
+        <p14:creationId xmlns:p14="http://schemas.microsoft.com/office/powerpoint/2010/main" val="3159135244"/>
       </p:ext>
     </p:extLst>
   </p:cSld>
@@ -6102,6 +6035,30 @@
 <file path=ppt/slides/slide9.xml><?xml version="1.0" encoding="utf-8"?>
 <p:sld xmlns:a="http://schemas.openxmlformats.org/drawingml/2006/main" xmlns:r="http://schemas.openxmlformats.org/officeDocument/2006/relationships" xmlns:p="http://schemas.openxmlformats.org/presentationml/2006/main">
   <p:cSld>
+    <p:bg>
+      <p:bgPr>
+        <a:gradFill rotWithShape="1">
+          <a:gsLst>
+            <a:gs pos="0">
+              <a:schemeClr val="bg2">
+                <a:tint val="94000"/>
+                <a:satMod val="80000"/>
+                <a:lumMod val="106000"/>
+              </a:schemeClr>
+            </a:gs>
+            <a:gs pos="100000">
+              <a:schemeClr val="bg2">
+                <a:shade val="80000"/>
+              </a:schemeClr>
+            </a:gs>
+          </a:gsLst>
+          <a:path path="circle">
+            <a:fillToRect l="43000" r="43000" b="100000"/>
+          </a:path>
+        </a:gradFill>
+        <a:effectLst/>
+      </p:bgPr>
+    </p:bg>
     <p:spTree>
       <p:nvGrpSpPr>
         <p:cNvPr id="1" name=""/>
@@ -6118,68 +6075,319 @@
       </p:grpSpPr>
       <p:sp>
         <p:nvSpPr>
-          <p:cNvPr id="2" name="Title 1">
+          <p:cNvPr id="13" name="Rectangle 12">
             <a:extLst>
               <a:ext uri="{FF2B5EF4-FFF2-40B4-BE49-F238E27FC236}">
-                <a16:creationId xmlns:a16="http://schemas.microsoft.com/office/drawing/2014/main" id="{4C46A67C-B7A3-4EF6-B319-999D4AEBDD6A}"/>
+                <a16:creationId xmlns:a16="http://schemas.microsoft.com/office/drawing/2014/main" id="{0CABCAE3-64FC-4149-819F-2C1812824154}"/>
+              </a:ext>
+              <a:ext uri="{C183D7F6-B498-43B3-948B-1728B52AA6E4}">
+                <adec:decorative xmlns:adec="http://schemas.microsoft.com/office/drawing/2017/decorative" val="1"/>
               </a:ext>
             </a:extLst>
           </p:cNvPr>
           <p:cNvSpPr>
+            <a:spLocks noGrp="1" noRot="1" noChangeAspect="1" noMove="1" noResize="1" noEditPoints="1" noAdjustHandles="1" noChangeArrowheads="1" noChangeShapeType="1" noTextEdit="1"/>
+          </p:cNvSpPr>
+          <p:nvPr>
+            <p:extLst>
+              <p:ext uri="{386F3935-93C4-4BCD-93E2-E3B085C9AB24}">
+                <p16:designElem xmlns:p16="http://schemas.microsoft.com/office/powerpoint/2015/main" val="1"/>
+              </p:ext>
+            </p:extLst>
+          </p:nvPr>
+        </p:nvSpPr>
+        <p:spPr>
+          <a:xfrm>
+            <a:off x="0" y="2019476"/>
+            <a:ext cx="12192000" cy="4105941"/>
+          </a:xfrm>
+          <a:prstGeom prst="rect">
+            <a:avLst/>
+          </a:prstGeom>
+          <a:gradFill flip="none" rotWithShape="1">
+            <a:gsLst>
+              <a:gs pos="0">
+                <a:schemeClr val="bg2">
+                  <a:alpha val="0"/>
+                </a:schemeClr>
+              </a:gs>
+              <a:gs pos="100000">
+                <a:schemeClr val="bg2"/>
+              </a:gs>
+            </a:gsLst>
+            <a:lin ang="5400000" scaled="0"/>
+            <a:tileRect/>
+          </a:gradFill>
+          <a:ln>
+            <a:noFill/>
+          </a:ln>
+        </p:spPr>
+        <p:style>
+          <a:lnRef idx="2">
+            <a:schemeClr val="accent1">
+              <a:shade val="50000"/>
+            </a:schemeClr>
+          </a:lnRef>
+          <a:fillRef idx="1">
+            <a:schemeClr val="accent1"/>
+          </a:fillRef>
+          <a:effectRef idx="0">
+            <a:schemeClr val="accent1"/>
+          </a:effectRef>
+          <a:fontRef idx="minor">
+            <a:schemeClr val="lt1"/>
+          </a:fontRef>
+        </p:style>
+      </p:sp>
+      <p:pic>
+        <p:nvPicPr>
+          <p:cNvPr id="15" name="Picture 14">
+            <a:extLst>
+              <a:ext uri="{FF2B5EF4-FFF2-40B4-BE49-F238E27FC236}">
+                <a16:creationId xmlns:a16="http://schemas.microsoft.com/office/drawing/2014/main" id="{012FDCFE-9AD2-4D8A-8CBF-B3AA37EBF6DD}"/>
+              </a:ext>
+              <a:ext uri="{C183D7F6-B498-43B3-948B-1728B52AA6E4}">
+                <adec:decorative xmlns:adec="http://schemas.microsoft.com/office/drawing/2017/decorative" val="1"/>
+              </a:ext>
+            </a:extLst>
+          </p:cNvPr>
+          <p:cNvPicPr>
+            <a:picLocks noGrp="1" noRot="1" noChangeAspect="1" noMove="1" noResize="1" noEditPoints="1" noAdjustHandles="1" noChangeArrowheads="1" noChangeShapeType="1" noCrop="1"/>
+          </p:cNvPicPr>
+          <p:nvPr>
+            <p:extLst>
+              <p:ext uri="{386F3935-93C4-4BCD-93E2-E3B085C9AB24}">
+                <p16:designElem xmlns:p16="http://schemas.microsoft.com/office/powerpoint/2015/main" val="1"/>
+              </p:ext>
+            </p:extLst>
+          </p:nvPr>
+        </p:nvPicPr>
+        <p:blipFill rotWithShape="1">
+          <a:blip r:embed="rId2">
+            <a:extLst>
+              <a:ext uri="{28A0092B-C50C-407E-A947-70E740481C1C}">
+                <a14:useLocalDpi xmlns:a14="http://schemas.microsoft.com/office/drawing/2010/main" val="0"/>
+              </a:ext>
+            </a:extLst>
+          </a:blip>
+          <a:srcRect t="1538" b="-1538"/>
+          <a:stretch/>
+        </p:blipFill>
+        <p:spPr bwMode="black">
+          <a:xfrm>
+            <a:off x="0" y="6126480"/>
+            <a:ext cx="12192000" cy="742950"/>
+          </a:xfrm>
+          <a:prstGeom prst="rect">
+            <a:avLst/>
+          </a:prstGeom>
+        </p:spPr>
+      </p:pic>
+      <p:cxnSp>
+        <p:nvCxnSpPr>
+          <p:cNvPr id="17" name="Straight Connector 16">
+            <a:extLst>
+              <a:ext uri="{FF2B5EF4-FFF2-40B4-BE49-F238E27FC236}">
+                <a16:creationId xmlns:a16="http://schemas.microsoft.com/office/drawing/2014/main" id="{FBD463FC-4CA8-4FF4-85A3-AF9F4B98D210}"/>
+              </a:ext>
+              <a:ext uri="{C183D7F6-B498-43B3-948B-1728B52AA6E4}">
+                <adec:decorative xmlns:adec="http://schemas.microsoft.com/office/drawing/2017/decorative" val="1"/>
+              </a:ext>
+            </a:extLst>
+          </p:cNvPr>
+          <p:cNvCxnSpPr>
+            <a:cxnSpLocks noGrp="1" noRot="1" noChangeAspect="1" noMove="1" noResize="1" noEditPoints="1" noAdjustHandles="1" noChangeArrowheads="1" noChangeShapeType="1"/>
+          </p:cNvCxnSpPr>
+          <p:nvPr>
+            <p:extLst>
+              <p:ext uri="{386F3935-93C4-4BCD-93E2-E3B085C9AB24}">
+                <p16:designElem xmlns:p16="http://schemas.microsoft.com/office/powerpoint/2015/main" val="1"/>
+              </p:ext>
+            </p:extLst>
+          </p:nvPr>
+        </p:nvCxnSpPr>
+        <p:spPr>
+          <a:xfrm>
+            <a:off x="0" y="6128413"/>
+            <a:ext cx="12192000" cy="0"/>
+          </a:xfrm>
+          <a:prstGeom prst="line">
+            <a:avLst/>
+          </a:prstGeom>
+          <a:ln w="12700">
+            <a:solidFill>
+              <a:srgbClr val="000001">
+                <a:alpha val="20000"/>
+              </a:srgbClr>
+            </a:solidFill>
+          </a:ln>
+        </p:spPr>
+        <p:style>
+          <a:lnRef idx="1">
+            <a:schemeClr val="accent1"/>
+          </a:lnRef>
+          <a:fillRef idx="0">
+            <a:schemeClr val="accent1"/>
+          </a:fillRef>
+          <a:effectRef idx="0">
+            <a:schemeClr val="accent1"/>
+          </a:effectRef>
+          <a:fontRef idx="minor">
+            <a:schemeClr val="tx1"/>
+          </a:fontRef>
+        </p:style>
+      </p:cxnSp>
+      <p:cxnSp>
+        <p:nvCxnSpPr>
+          <p:cNvPr id="19" name="Straight Connector 18">
+            <a:extLst>
+              <a:ext uri="{FF2B5EF4-FFF2-40B4-BE49-F238E27FC236}">
+                <a16:creationId xmlns:a16="http://schemas.microsoft.com/office/drawing/2014/main" id="{A56012FD-74A8-4C91-B318-435CF2B71927}"/>
+              </a:ext>
+              <a:ext uri="{C183D7F6-B498-43B3-948B-1728B52AA6E4}">
+                <adec:decorative xmlns:adec="http://schemas.microsoft.com/office/drawing/2017/decorative" val="1"/>
+              </a:ext>
+            </a:extLst>
+          </p:cNvPr>
+          <p:cNvCxnSpPr>
+            <a:cxnSpLocks noGrp="1" noRot="1" noChangeAspect="1" noMove="1" noResize="1" noEditPoints="1" noAdjustHandles="1" noChangeArrowheads="1" noChangeShapeType="1"/>
+          </p:cNvCxnSpPr>
+          <p:nvPr>
+            <p:extLst>
+              <p:ext uri="{386F3935-93C4-4BCD-93E2-E3B085C9AB24}">
+                <p16:designElem xmlns:p16="http://schemas.microsoft.com/office/powerpoint/2015/main" val="1"/>
+              </p:ext>
+            </p:extLst>
+          </p:nvPr>
+        </p:nvCxnSpPr>
+        <p:spPr>
+          <a:xfrm>
+            <a:off x="1453896" y="1847088"/>
+            <a:ext cx="9607522" cy="0"/>
+          </a:xfrm>
+          <a:prstGeom prst="line">
+            <a:avLst/>
+          </a:prstGeom>
+          <a:ln w="31750"/>
+        </p:spPr>
+        <p:style>
+          <a:lnRef idx="3">
+            <a:schemeClr val="accent1"/>
+          </a:lnRef>
+          <a:fillRef idx="0">
+            <a:schemeClr val="accent1"/>
+          </a:fillRef>
+          <a:effectRef idx="2">
+            <a:schemeClr val="accent1"/>
+          </a:effectRef>
+          <a:fontRef idx="minor">
+            <a:schemeClr val="tx1"/>
+          </a:fontRef>
+        </p:style>
+      </p:cxnSp>
+      <p:sp>
+        <p:nvSpPr>
+          <p:cNvPr id="4" name="Title 3">
+            <a:extLst>
+              <a:ext uri="{FF2B5EF4-FFF2-40B4-BE49-F238E27FC236}">
+                <a16:creationId xmlns:a16="http://schemas.microsoft.com/office/drawing/2014/main" id="{E1D33619-355E-784F-91A6-F152D78747A4}"/>
+              </a:ext>
+            </a:extLst>
+          </p:cNvPr>
+          <p:cNvSpPr>
             <a:spLocks noGrp="1"/>
           </p:cNvSpPr>
           <p:nvPr>
             <p:ph type="title"/>
           </p:nvPr>
         </p:nvSpPr>
-        <p:spPr/>
-        <p:txBody>
-          <a:bodyPr>
+        <p:spPr>
+          <a:xfrm>
+            <a:off x="1451579" y="804519"/>
+            <a:ext cx="9603275" cy="1049235"/>
+          </a:xfrm>
+        </p:spPr>
+        <p:txBody>
+          <a:bodyPr vert="horz" lIns="91440" tIns="45720" rIns="91440" bIns="45720" rtlCol="0" anchor="t">
             <a:normAutofit/>
           </a:bodyPr>
           <a:lstStyle/>
           <a:p>
             <a:r>
-              <a:rPr lang="en-US" sz="3600" dirty="0">
+              <a:rPr lang="en-US" dirty="0">
                 <a:latin typeface="Calibri" panose="020F0502020204030204" pitchFamily="34" charset="0"/>
               </a:rPr>
               <a:t>The silver screen</a:t>
             </a:r>
-          </a:p>
-        </p:txBody>
-      </p:sp>
-      <p:sp>
-        <p:nvSpPr>
-          <p:cNvPr id="3" name="Content Placeholder 2">
+            <a:endParaRPr lang="en-US" dirty="0"/>
+          </a:p>
+        </p:txBody>
+      </p:sp>
+      <p:pic>
+        <p:nvPicPr>
+          <p:cNvPr id="10" name="Content Placeholder 9">
             <a:extLst>
               <a:ext uri="{FF2B5EF4-FFF2-40B4-BE49-F238E27FC236}">
-                <a16:creationId xmlns:a16="http://schemas.microsoft.com/office/drawing/2014/main" id="{FAF8335E-2EBE-453E-A700-3B43A151C65B}"/>
+                <a16:creationId xmlns:a16="http://schemas.microsoft.com/office/drawing/2014/main" id="{C4510E6F-D069-8347-A0A2-C56518CCDBE4}"/>
               </a:ext>
             </a:extLst>
           </p:cNvPr>
-          <p:cNvSpPr>
-            <a:spLocks noGrp="1"/>
-          </p:cNvSpPr>
-          <p:nvPr>
-            <p:ph idx="1"/>
-          </p:nvPr>
-        </p:nvSpPr>
-        <p:spPr/>
-        <p:txBody>
-          <a:bodyPr/>
-          <a:lstStyle/>
-          <a:p>
-            <a:r>
-              <a:rPr lang="en-US" dirty="0"/>
-              <a:t>Release Month (Winner vs. Loser) (Choi’s slide)</a:t>
-            </a:r>
-          </a:p>
-        </p:txBody>
-      </p:sp>
+          <p:cNvPicPr>
+            <a:picLocks noGrp="1" noChangeAspect="1"/>
+          </p:cNvPicPr>
+          <p:nvPr>
+            <p:ph sz="half" idx="2"/>
+          </p:nvPr>
+        </p:nvPicPr>
+        <p:blipFill>
+          <a:blip r:embed="rId3"/>
+          <a:stretch>
+            <a:fillRect/>
+          </a:stretch>
+        </p:blipFill>
+        <p:spPr>
+          <a:xfrm>
+            <a:off x="1455232" y="2016125"/>
+            <a:ext cx="4577820" cy="3801676"/>
+          </a:xfrm>
+        </p:spPr>
+      </p:pic>
+      <p:pic>
+        <p:nvPicPr>
+          <p:cNvPr id="8" name="Content Placeholder 7">
+            <a:extLst>
+              <a:ext uri="{FF2B5EF4-FFF2-40B4-BE49-F238E27FC236}">
+                <a16:creationId xmlns:a16="http://schemas.microsoft.com/office/drawing/2014/main" id="{92A09D37-C860-0146-A7A4-3AAB98141E24}"/>
+              </a:ext>
+            </a:extLst>
+          </p:cNvPr>
+          <p:cNvPicPr>
+            <a:picLocks noGrp="1" noChangeAspect="1"/>
+          </p:cNvPicPr>
+          <p:nvPr>
+            <p:ph sz="half" idx="1"/>
+          </p:nvPr>
+        </p:nvPicPr>
+        <p:blipFill>
+          <a:blip r:embed="rId4"/>
+          <a:stretch>
+            <a:fillRect/>
+          </a:stretch>
+        </p:blipFill>
+        <p:spPr>
+          <a:xfrm>
+            <a:off x="6131385" y="2015734"/>
+            <a:ext cx="4473019" cy="3802067"/>
+          </a:xfrm>
+          <a:prstGeom prst="rect">
+            <a:avLst/>
+          </a:prstGeom>
+        </p:spPr>
+      </p:pic>
     </p:spTree>
     <p:extLst>
       <p:ext uri="{BB962C8B-B14F-4D97-AF65-F5344CB8AC3E}">
-        <p14:creationId xmlns:p14="http://schemas.microsoft.com/office/powerpoint/2010/main" val="3159135244"/>
+        <p14:creationId xmlns:p14="http://schemas.microsoft.com/office/powerpoint/2010/main" val="1868080493"/>
       </p:ext>
     </p:extLst>
   </p:cSld>

--- a/The Silver screen Group Projectv1.pptx
+++ b/The Silver screen Group Projectv1.pptx
@@ -3923,10 +3923,10 @@
       </p:sp>
       <p:pic>
         <p:nvPicPr>
-          <p:cNvPr id="5" name="Picture 4">
+          <p:cNvPr id="6" name="Picture 5">
             <a:extLst>
               <a:ext uri="{FF2B5EF4-FFF2-40B4-BE49-F238E27FC236}">
-                <a16:creationId xmlns:a16="http://schemas.microsoft.com/office/drawing/2014/main" id="{622E13B7-A337-B84D-912E-39F69AA2E3F6}"/>
+                <a16:creationId xmlns:a16="http://schemas.microsoft.com/office/drawing/2014/main" id="{ABB6992C-D97F-A94F-A8A1-4BCAF405884F}"/>
               </a:ext>
             </a:extLst>
           </p:cNvPr>
@@ -3943,8 +3943,8 @@
         </p:blipFill>
         <p:spPr>
           <a:xfrm>
-            <a:off x="4840357" y="2015734"/>
-            <a:ext cx="6199000" cy="3975591"/>
+            <a:off x="4043364" y="2015734"/>
+            <a:ext cx="6572250" cy="3967082"/>
           </a:xfrm>
           <a:prstGeom prst="rect">
             <a:avLst/>
@@ -4993,6 +4993,12 @@
             <a:r>
               <a:rPr lang="en-US" dirty="0"/>
               <a:t>Datasets that were used were Kaggle, OMDB and TMDB</a:t>
+            </a:r>
+          </a:p>
+          <a:p>
+            <a:r>
+              <a:rPr lang="en-US" dirty="0"/>
+              <a:t>2005-2105</a:t>
             </a:r>
           </a:p>
           <a:p>
